--- a/courses/theory/slides/lec09-euf.pptx
+++ b/courses/theory/slides/lec09-euf.pptx
@@ -5,7 +5,7 @@
     <p:sldMasterId id="2147483649" r:id="rId1"/>
   </p:sldMasterIdLst>
   <p:handoutMasterIdLst>
-    <p:handoutMasterId r:id="rId37"/>
+    <p:handoutMasterId r:id="rId39"/>
   </p:handoutMasterIdLst>
   <p:sldIdLst>
     <p:sldId id="256" r:id="rId2"/>
@@ -43,6 +43,8 @@
     <p:sldId id="367" r:id="rId34"/>
     <p:sldId id="399" r:id="rId35"/>
     <p:sldId id="400" r:id="rId36"/>
+    <p:sldId id="401" r:id="rId37"/>
+    <p:sldId id="402" r:id="rId38"/>
   </p:sldIdLst>
   <p:sldSz cx="9144000" cy="6858000" type="screen4x3"/>
   <p:notesSz cx="7099300" cy="10234613"/>
@@ -23644,12 +23646,8 @@
           <a:lstStyle/>
           <a:p>
             <a:r>
-              <a:rPr kumimoji="1" lang="en-US" altLang="zh-CN"/>
-              <a:t>#2: Translation </a:t>
-            </a:r>
-            <a:r>
               <a:rPr kumimoji="1" lang="en-US" altLang="zh-CN" dirty="0"/>
-              <a:t>validation</a:t>
+              <a:t>#2: Translation validation</a:t>
             </a:r>
             <a:endParaRPr kumimoji="1" lang="zh-CN" altLang="en-US" dirty="0"/>
           </a:p>
@@ -24521,6 +24519,1826 @@
       <p:bldP spid="9" grpId="0"/>
       <p:bldP spid="10" grpId="0"/>
       <p:bldP spid="11" grpId="0"/>
+    </p:bldLst>
+  </p:timing>
+</p:sld>
+</file>
+
+<file path=ppt/slides/slide36.xml><?xml version="1.0" encoding="utf-8"?>
+<p:sld xmlns:a="http://schemas.openxmlformats.org/drawingml/2006/main" xmlns:r="http://schemas.openxmlformats.org/officeDocument/2006/relationships" xmlns:p="http://schemas.openxmlformats.org/presentationml/2006/main">
+  <p:cSld>
+    <p:spTree>
+      <p:nvGrpSpPr>
+        <p:cNvPr id="1" name="">
+          <a:extLst>
+            <a:ext uri="{FF2B5EF4-FFF2-40B4-BE49-F238E27FC236}">
+              <a16:creationId xmlns:a16="http://schemas.microsoft.com/office/drawing/2014/main" id="{64335DBE-165C-8D1F-9D56-B27327144D30}"/>
+            </a:ext>
+          </a:extLst>
+        </p:cNvPr>
+        <p:cNvGrpSpPr/>
+        <p:nvPr/>
+      </p:nvGrpSpPr>
+      <p:grpSpPr>
+        <a:xfrm>
+          <a:off x="0" y="0"/>
+          <a:ext cx="0" cy="0"/>
+          <a:chOff x="0" y="0"/>
+          <a:chExt cx="0" cy="0"/>
+        </a:xfrm>
+      </p:grpSpPr>
+      <p:sp>
+        <p:nvSpPr>
+          <p:cNvPr id="2" name="标题 1">
+            <a:extLst>
+              <a:ext uri="{FF2B5EF4-FFF2-40B4-BE49-F238E27FC236}">
+                <a16:creationId xmlns:a16="http://schemas.microsoft.com/office/drawing/2014/main" id="{7EE59AFD-4B08-5F83-76C2-4A09528111C9}"/>
+              </a:ext>
+            </a:extLst>
+          </p:cNvPr>
+          <p:cNvSpPr>
+            <a:spLocks noGrp="1"/>
+          </p:cNvSpPr>
+          <p:nvPr>
+            <p:ph type="title"/>
+          </p:nvPr>
+        </p:nvSpPr>
+        <p:spPr/>
+        <p:txBody>
+          <a:bodyPr/>
+          <a:lstStyle/>
+          <a:p>
+            <a:r>
+              <a:rPr kumimoji="1" lang="en-US" altLang="zh-CN" dirty="0"/>
+              <a:t>#3: </a:t>
+            </a:r>
+            <a:r>
+              <a:rPr kumimoji="1" lang="en" altLang="zh-CN" dirty="0"/>
+              <a:t>Dynamic connectivity</a:t>
+            </a:r>
+            <a:endParaRPr kumimoji="1" lang="zh-CN" altLang="en-US" dirty="0"/>
+          </a:p>
+        </p:txBody>
+      </p:sp>
+      <p:sp>
+        <p:nvSpPr>
+          <p:cNvPr id="6" name="内容占位符 4">
+            <a:extLst>
+              <a:ext uri="{FF2B5EF4-FFF2-40B4-BE49-F238E27FC236}">
+                <a16:creationId xmlns:a16="http://schemas.microsoft.com/office/drawing/2014/main" id="{DA983ABF-32A1-FF8B-0B0D-7FA16AA472CE}"/>
+              </a:ext>
+            </a:extLst>
+          </p:cNvPr>
+          <p:cNvSpPr>
+            <a:spLocks noGrp="1"/>
+          </p:cNvSpPr>
+          <p:nvPr>
+            <p:ph idx="1"/>
+          </p:nvPr>
+        </p:nvSpPr>
+        <p:spPr>
+          <a:xfrm>
+            <a:off x="381000" y="2057400"/>
+            <a:ext cx="4267200" cy="4114800"/>
+          </a:xfrm>
+        </p:spPr>
+        <p:txBody>
+          <a:bodyPr/>
+          <a:lstStyle/>
+          <a:p>
+            <a:pPr marL="0" indent="0">
+              <a:buNone/>
+            </a:pPr>
+            <a:r>
+              <a:rPr lang="en-US" altLang="zh-CN" sz="2000" b="1" dirty="0">
+                <a:latin typeface="Courier New" panose="02070309020205020404" pitchFamily="49" charset="0"/>
+                <a:cs typeface="Courier New" panose="02070309020205020404" pitchFamily="49" charset="0"/>
+              </a:rPr>
+              <a:t>The input is a sequence of pairs of integers, where each integer represents an object of some type and we are to interpret the pair (</a:t>
+            </a:r>
+            <a:r>
+              <a:rPr lang="en-US" altLang="zh-CN" sz="2000" b="1" dirty="0">
+                <a:solidFill>
+                  <a:srgbClr val="0432FF"/>
+                </a:solidFill>
+                <a:latin typeface="Courier New" panose="02070309020205020404" pitchFamily="49" charset="0"/>
+                <a:cs typeface="Courier New" panose="02070309020205020404" pitchFamily="49" charset="0"/>
+              </a:rPr>
+              <a:t>p, q)</a:t>
+            </a:r>
+            <a:r>
+              <a:rPr lang="en-US" altLang="zh-CN" sz="2000" b="1" dirty="0">
+                <a:latin typeface="Courier New" panose="02070309020205020404" pitchFamily="49" charset="0"/>
+                <a:cs typeface="Courier New" panose="02070309020205020404" pitchFamily="49" charset="0"/>
+              </a:rPr>
+              <a:t> as meaning </a:t>
+            </a:r>
+            <a:r>
+              <a:rPr lang="en-US" altLang="zh-CN" sz="2000" b="1" dirty="0">
+                <a:solidFill>
+                  <a:srgbClr val="0432FF"/>
+                </a:solidFill>
+                <a:latin typeface="Courier New" panose="02070309020205020404" pitchFamily="49" charset="0"/>
+                <a:cs typeface="Courier New" panose="02070309020205020404" pitchFamily="49" charset="0"/>
+              </a:rPr>
+              <a:t>p</a:t>
+            </a:r>
+            <a:r>
+              <a:rPr lang="en-US" altLang="zh-CN" sz="2000" b="1" dirty="0">
+                <a:latin typeface="Courier New" panose="02070309020205020404" pitchFamily="49" charset="0"/>
+                <a:cs typeface="Courier New" panose="02070309020205020404" pitchFamily="49" charset="0"/>
+              </a:rPr>
+              <a:t> is connected to </a:t>
+            </a:r>
+            <a:r>
+              <a:rPr lang="en-US" altLang="zh-CN" sz="2000" b="1" dirty="0">
+                <a:solidFill>
+                  <a:srgbClr val="0432FF"/>
+                </a:solidFill>
+                <a:latin typeface="Courier New" panose="02070309020205020404" pitchFamily="49" charset="0"/>
+                <a:cs typeface="Courier New" panose="02070309020205020404" pitchFamily="49" charset="0"/>
+              </a:rPr>
+              <a:t>q</a:t>
+            </a:r>
+            <a:r>
+              <a:rPr lang="en-US" altLang="zh-CN" sz="2000" b="1" dirty="0">
+                <a:latin typeface="Courier New" panose="02070309020205020404" pitchFamily="49" charset="0"/>
+                <a:cs typeface="Courier New" panose="02070309020205020404" pitchFamily="49" charset="0"/>
+              </a:rPr>
+              <a:t>. </a:t>
+            </a:r>
+          </a:p>
+          <a:p>
+            <a:pPr marL="0" indent="0">
+              <a:buNone/>
+            </a:pPr>
+            <a:endParaRPr lang="en-US" altLang="zh-CN" sz="2000" b="1" dirty="0">
+              <a:solidFill>
+                <a:srgbClr val="0432FF"/>
+              </a:solidFill>
+              <a:latin typeface="Courier New" panose="02070309020205020404" pitchFamily="49" charset="0"/>
+              <a:cs typeface="Courier New" panose="02070309020205020404" pitchFamily="49" charset="0"/>
+            </a:endParaRPr>
+          </a:p>
+          <a:p>
+            <a:pPr marL="0" indent="0">
+              <a:buNone/>
+            </a:pPr>
+            <a:r>
+              <a:rPr lang="en-US" altLang="zh-CN" sz="2000" b="1" dirty="0">
+                <a:latin typeface="Courier New" panose="02070309020205020404" pitchFamily="49" charset="0"/>
+                <a:cs typeface="Courier New" panose="02070309020205020404" pitchFamily="49" charset="0"/>
+              </a:rPr>
+              <a:t>Our goal is to write a program to determine</a:t>
+            </a:r>
+            <a:r>
+              <a:rPr lang="zh-CN" altLang="en-US" sz="2000" b="1" dirty="0">
+                <a:latin typeface="Courier New" panose="02070309020205020404" pitchFamily="49" charset="0"/>
+                <a:cs typeface="Courier New" panose="02070309020205020404" pitchFamily="49" charset="0"/>
+              </a:rPr>
+              <a:t> </a:t>
+            </a:r>
+            <a:r>
+              <a:rPr lang="en-US" altLang="zh-CN" sz="2000" b="1" dirty="0">
+                <a:latin typeface="Courier New" panose="02070309020205020404" pitchFamily="49" charset="0"/>
+                <a:cs typeface="Courier New" panose="02070309020205020404" pitchFamily="49" charset="0"/>
+              </a:rPr>
+              <a:t>whether</a:t>
+            </a:r>
+            <a:r>
+              <a:rPr lang="zh-CN" altLang="en-US" sz="2000" b="1" dirty="0">
+                <a:latin typeface="Courier New" panose="02070309020205020404" pitchFamily="49" charset="0"/>
+                <a:cs typeface="Courier New" panose="02070309020205020404" pitchFamily="49" charset="0"/>
+              </a:rPr>
+              <a:t> </a:t>
+            </a:r>
+            <a:r>
+              <a:rPr lang="en-US" altLang="zh-CN" sz="2000" b="1" dirty="0">
+                <a:latin typeface="Courier New" panose="02070309020205020404" pitchFamily="49" charset="0"/>
+                <a:cs typeface="Courier New" panose="02070309020205020404" pitchFamily="49" charset="0"/>
+              </a:rPr>
+              <a:t>a</a:t>
+            </a:r>
+            <a:r>
+              <a:rPr lang="zh-CN" altLang="en-US" sz="2000" b="1" dirty="0">
+                <a:latin typeface="Courier New" panose="02070309020205020404" pitchFamily="49" charset="0"/>
+                <a:cs typeface="Courier New" panose="02070309020205020404" pitchFamily="49" charset="0"/>
+              </a:rPr>
+              <a:t> </a:t>
+            </a:r>
+            <a:r>
+              <a:rPr lang="en-US" altLang="zh-CN" sz="2000" b="1" dirty="0">
+                <a:latin typeface="Courier New" panose="02070309020205020404" pitchFamily="49" charset="0"/>
+                <a:cs typeface="Courier New" panose="02070309020205020404" pitchFamily="49" charset="0"/>
+              </a:rPr>
+              <a:t>pair</a:t>
+            </a:r>
+            <a:r>
+              <a:rPr lang="zh-CN" altLang="en-US" sz="2000" b="1" dirty="0">
+                <a:latin typeface="Courier New" panose="02070309020205020404" pitchFamily="49" charset="0"/>
+                <a:cs typeface="Courier New" panose="02070309020205020404" pitchFamily="49" charset="0"/>
+              </a:rPr>
+              <a:t> </a:t>
+            </a:r>
+            <a:r>
+              <a:rPr lang="en-US" altLang="zh-CN" sz="2000" b="1" dirty="0">
+                <a:latin typeface="Courier New" panose="02070309020205020404" pitchFamily="49" charset="0"/>
+                <a:cs typeface="Courier New" panose="02070309020205020404" pitchFamily="49" charset="0"/>
+              </a:rPr>
+              <a:t>(</a:t>
+            </a:r>
+            <a:r>
+              <a:rPr lang="en-US" altLang="zh-CN" sz="2000" b="1" dirty="0">
+                <a:solidFill>
+                  <a:srgbClr val="0432FF"/>
+                </a:solidFill>
+                <a:latin typeface="Courier New" panose="02070309020205020404" pitchFamily="49" charset="0"/>
+                <a:cs typeface="Courier New" panose="02070309020205020404" pitchFamily="49" charset="0"/>
+              </a:rPr>
+              <a:t>p, q) </a:t>
+            </a:r>
+            <a:r>
+              <a:rPr lang="en-US" altLang="zh-CN" sz="2000" b="1" dirty="0">
+                <a:latin typeface="Courier New" panose="02070309020205020404" pitchFamily="49" charset="0"/>
+                <a:cs typeface="Courier New" panose="02070309020205020404" pitchFamily="49" charset="0"/>
+              </a:rPr>
+              <a:t>is</a:t>
+            </a:r>
+            <a:r>
+              <a:rPr lang="zh-CN" altLang="en-US" sz="2000" b="1" dirty="0">
+                <a:latin typeface="Courier New" panose="02070309020205020404" pitchFamily="49" charset="0"/>
+                <a:cs typeface="Courier New" panose="02070309020205020404" pitchFamily="49" charset="0"/>
+              </a:rPr>
+              <a:t> </a:t>
+            </a:r>
+            <a:r>
+              <a:rPr lang="en-US" altLang="zh-CN" sz="2000" b="1" dirty="0">
+                <a:latin typeface="Courier New" panose="02070309020205020404" pitchFamily="49" charset="0"/>
+                <a:cs typeface="Courier New" panose="02070309020205020404" pitchFamily="49" charset="0"/>
+              </a:rPr>
+              <a:t>connected.</a:t>
+            </a:r>
+          </a:p>
+          <a:p>
+            <a:pPr marL="0" indent="0">
+              <a:buNone/>
+            </a:pPr>
+            <a:r>
+              <a:rPr lang="en-US" altLang="zh-CN" sz="2000" b="1" dirty="0">
+                <a:latin typeface="Courier New" panose="02070309020205020404" pitchFamily="49" charset="0"/>
+                <a:cs typeface="Courier New" panose="02070309020205020404" pitchFamily="49" charset="0"/>
+              </a:rPr>
+              <a:t>(Adapted</a:t>
+            </a:r>
+            <a:r>
+              <a:rPr lang="zh-CN" altLang="en-US" sz="2000" b="1" dirty="0">
+                <a:latin typeface="Courier New" panose="02070309020205020404" pitchFamily="49" charset="0"/>
+                <a:cs typeface="Courier New" panose="02070309020205020404" pitchFamily="49" charset="0"/>
+              </a:rPr>
+              <a:t> </a:t>
+            </a:r>
+            <a:r>
+              <a:rPr lang="en-US" altLang="zh-CN" sz="2000" b="1" dirty="0">
+                <a:latin typeface="Courier New" panose="02070309020205020404" pitchFamily="49" charset="0"/>
+                <a:cs typeface="Courier New" panose="02070309020205020404" pitchFamily="49" charset="0"/>
+              </a:rPr>
+              <a:t>from</a:t>
+            </a:r>
+            <a:r>
+              <a:rPr lang="zh-CN" altLang="en-US" sz="2000" b="1" dirty="0">
+                <a:latin typeface="Courier New" panose="02070309020205020404" pitchFamily="49" charset="0"/>
+                <a:cs typeface="Courier New" panose="02070309020205020404" pitchFamily="49" charset="0"/>
+              </a:rPr>
+              <a:t> </a:t>
+            </a:r>
+            <a:r>
+              <a:rPr lang="en-US" altLang="zh-CN" sz="2000" b="1" dirty="0">
+                <a:latin typeface="Courier New" panose="02070309020205020404" pitchFamily="49" charset="0"/>
+                <a:cs typeface="Courier New" panose="02070309020205020404" pitchFamily="49" charset="0"/>
+              </a:rPr>
+              <a:t>the</a:t>
+            </a:r>
+            <a:r>
+              <a:rPr lang="zh-CN" altLang="en-US" sz="2000" b="1" dirty="0">
+                <a:latin typeface="Courier New" panose="02070309020205020404" pitchFamily="49" charset="0"/>
+                <a:cs typeface="Courier New" panose="02070309020205020404" pitchFamily="49" charset="0"/>
+              </a:rPr>
+              <a:t> </a:t>
+            </a:r>
+            <a:r>
+              <a:rPr lang="en-US" altLang="zh-CN" sz="2000" b="1" dirty="0">
+                <a:latin typeface="Courier New" panose="02070309020205020404" pitchFamily="49" charset="0"/>
+                <a:cs typeface="Courier New" panose="02070309020205020404" pitchFamily="49" charset="0"/>
+              </a:rPr>
+              <a:t>book:</a:t>
+            </a:r>
+            <a:r>
+              <a:rPr lang="zh-CN" altLang="en-US" sz="2000" b="1" dirty="0">
+                <a:latin typeface="Courier New" panose="02070309020205020404" pitchFamily="49" charset="0"/>
+                <a:cs typeface="Courier New" panose="02070309020205020404" pitchFamily="49" charset="0"/>
+              </a:rPr>
+              <a:t> </a:t>
+            </a:r>
+            <a:r>
+              <a:rPr lang="en-US" altLang="zh-CN" sz="2000" b="1" i="1" dirty="0">
+                <a:latin typeface="Courier New" panose="02070309020205020404" pitchFamily="49" charset="0"/>
+                <a:cs typeface="Courier New" panose="02070309020205020404" pitchFamily="49" charset="0"/>
+              </a:rPr>
+              <a:t>Algorithms</a:t>
+            </a:r>
+            <a:r>
+              <a:rPr lang="zh-CN" altLang="en-US" sz="2000" b="1" i="1" dirty="0">
+                <a:latin typeface="Courier New" panose="02070309020205020404" pitchFamily="49" charset="0"/>
+                <a:cs typeface="Courier New" panose="02070309020205020404" pitchFamily="49" charset="0"/>
+              </a:rPr>
+              <a:t> </a:t>
+            </a:r>
+            <a:r>
+              <a:rPr lang="en-US" altLang="zh-CN" sz="2000" b="1" i="1" dirty="0">
+                <a:latin typeface="Courier New" panose="02070309020205020404" pitchFamily="49" charset="0"/>
+                <a:cs typeface="Courier New" panose="02070309020205020404" pitchFamily="49" charset="0"/>
+              </a:rPr>
+              <a:t>in</a:t>
+            </a:r>
+            <a:r>
+              <a:rPr lang="zh-CN" altLang="en-US" sz="2000" b="1" i="1" dirty="0">
+                <a:latin typeface="Courier New" panose="02070309020205020404" pitchFamily="49" charset="0"/>
+                <a:cs typeface="Courier New" panose="02070309020205020404" pitchFamily="49" charset="0"/>
+              </a:rPr>
+              <a:t> </a:t>
+            </a:r>
+            <a:r>
+              <a:rPr lang="en-US" altLang="zh-CN" sz="2000" b="1" i="1" dirty="0">
+                <a:latin typeface="Courier New" panose="02070309020205020404" pitchFamily="49" charset="0"/>
+                <a:cs typeface="Courier New" panose="02070309020205020404" pitchFamily="49" charset="0"/>
+              </a:rPr>
+              <a:t>Java</a:t>
+            </a:r>
+            <a:r>
+              <a:rPr lang="en-US" altLang="zh-CN" sz="2000" b="1" dirty="0">
+                <a:latin typeface="Courier New" panose="02070309020205020404" pitchFamily="49" charset="0"/>
+                <a:cs typeface="Courier New" panose="02070309020205020404" pitchFamily="49" charset="0"/>
+              </a:rPr>
+              <a:t>.)</a:t>
+            </a:r>
+          </a:p>
+        </p:txBody>
+      </p:sp>
+      <p:pic>
+        <p:nvPicPr>
+          <p:cNvPr id="4" name="图片 3">
+            <a:extLst>
+              <a:ext uri="{FF2B5EF4-FFF2-40B4-BE49-F238E27FC236}">
+                <a16:creationId xmlns:a16="http://schemas.microsoft.com/office/drawing/2014/main" id="{75B47CBA-9723-E241-00CC-E51898B50AD3}"/>
+              </a:ext>
+            </a:extLst>
+          </p:cNvPr>
+          <p:cNvPicPr>
+            <a:picLocks noChangeAspect="1"/>
+          </p:cNvPicPr>
+          <p:nvPr/>
+        </p:nvPicPr>
+        <p:blipFill>
+          <a:blip r:embed="rId2">
+            <a:extLst>
+              <a:ext uri="{28A0092B-C50C-407E-A947-70E740481C1C}">
+                <a14:useLocalDpi xmlns:a14="http://schemas.microsoft.com/office/drawing/2010/main" val="0"/>
+              </a:ext>
+            </a:extLst>
+          </a:blip>
+          <a:stretch>
+            <a:fillRect/>
+          </a:stretch>
+        </p:blipFill>
+        <p:spPr>
+          <a:xfrm>
+            <a:off x="5562599" y="1955799"/>
+            <a:ext cx="2529381" cy="3835401"/>
+          </a:xfrm>
+          <a:prstGeom prst="rect">
+            <a:avLst/>
+          </a:prstGeom>
+        </p:spPr>
+      </p:pic>
+      <p:sp>
+        <p:nvSpPr>
+          <p:cNvPr id="5" name="文本框 4">
+            <a:extLst>
+              <a:ext uri="{FF2B5EF4-FFF2-40B4-BE49-F238E27FC236}">
+                <a16:creationId xmlns:a16="http://schemas.microsoft.com/office/drawing/2014/main" id="{70044D64-943E-609C-487B-1DFC9BC8EFDF}"/>
+              </a:ext>
+            </a:extLst>
+          </p:cNvPr>
+          <p:cNvSpPr txBox="1"/>
+          <p:nvPr/>
+        </p:nvSpPr>
+        <p:spPr>
+          <a:xfrm>
+            <a:off x="4772025" y="5943600"/>
+            <a:ext cx="4295775" cy="646331"/>
+          </a:xfrm>
+          <a:prstGeom prst="rect">
+            <a:avLst/>
+          </a:prstGeom>
+          <a:noFill/>
+        </p:spPr>
+        <p:txBody>
+          <a:bodyPr wrap="square" rtlCol="0">
+            <a:spAutoFit/>
+          </a:bodyPr>
+          <a:lstStyle/>
+          <a:p>
+            <a:r>
+              <a:rPr lang="en-US" altLang="zh-CN" b="1" dirty="0">
+                <a:latin typeface="Courier New" panose="02070309020205020404" pitchFamily="49" charset="0"/>
+                <a:cs typeface="Courier New" panose="02070309020205020404" pitchFamily="49" charset="0"/>
+              </a:rPr>
+              <a:t>Question:</a:t>
+            </a:r>
+            <a:r>
+              <a:rPr lang="zh-CN" altLang="en-US" b="1" dirty="0">
+                <a:latin typeface="Courier New" panose="02070309020205020404" pitchFamily="49" charset="0"/>
+                <a:cs typeface="Courier New" panose="02070309020205020404" pitchFamily="49" charset="0"/>
+              </a:rPr>
+              <a:t> </a:t>
+            </a:r>
+            <a:r>
+              <a:rPr lang="en-US" altLang="zh-CN" b="1" dirty="0">
+                <a:latin typeface="Courier New" panose="02070309020205020404" pitchFamily="49" charset="0"/>
+                <a:cs typeface="Courier New" panose="02070309020205020404" pitchFamily="49" charset="0"/>
+              </a:rPr>
+              <a:t>is</a:t>
+            </a:r>
+            <a:r>
+              <a:rPr lang="zh-CN" altLang="en-US" b="1" dirty="0">
+                <a:latin typeface="Courier New" panose="02070309020205020404" pitchFamily="49" charset="0"/>
+                <a:cs typeface="Courier New" panose="02070309020205020404" pitchFamily="49" charset="0"/>
+              </a:rPr>
+              <a:t> </a:t>
+            </a:r>
+            <a:r>
+              <a:rPr lang="en-US" altLang="zh-CN" b="1" dirty="0">
+                <a:latin typeface="Courier New" panose="02070309020205020404" pitchFamily="49" charset="0"/>
+                <a:cs typeface="Courier New" panose="02070309020205020404" pitchFamily="49" charset="0"/>
+              </a:rPr>
+              <a:t>(3,</a:t>
+            </a:r>
+            <a:r>
+              <a:rPr lang="zh-CN" altLang="en-US" b="1" dirty="0">
+                <a:latin typeface="Courier New" panose="02070309020205020404" pitchFamily="49" charset="0"/>
+                <a:cs typeface="Courier New" panose="02070309020205020404" pitchFamily="49" charset="0"/>
+              </a:rPr>
+              <a:t> </a:t>
+            </a:r>
+            <a:r>
+              <a:rPr lang="en-US" altLang="zh-CN" b="1" dirty="0">
+                <a:latin typeface="Courier New" panose="02070309020205020404" pitchFamily="49" charset="0"/>
+                <a:cs typeface="Courier New" panose="02070309020205020404" pitchFamily="49" charset="0"/>
+              </a:rPr>
+              <a:t>9)</a:t>
+            </a:r>
+            <a:r>
+              <a:rPr lang="zh-CN" altLang="en-US" b="1" dirty="0">
+                <a:latin typeface="Courier New" panose="02070309020205020404" pitchFamily="49" charset="0"/>
+                <a:cs typeface="Courier New" panose="02070309020205020404" pitchFamily="49" charset="0"/>
+              </a:rPr>
+              <a:t> </a:t>
+            </a:r>
+            <a:r>
+              <a:rPr lang="en-US" altLang="zh-CN" b="1" dirty="0">
+                <a:latin typeface="Courier New" panose="02070309020205020404" pitchFamily="49" charset="0"/>
+                <a:cs typeface="Courier New" panose="02070309020205020404" pitchFamily="49" charset="0"/>
+              </a:rPr>
+              <a:t>connected?</a:t>
+            </a:r>
+          </a:p>
+          <a:p>
+            <a:r>
+              <a:rPr kumimoji="1" lang="en-US" altLang="zh-CN" b="1" dirty="0">
+                <a:latin typeface="Courier New" panose="02070309020205020404" pitchFamily="49" charset="0"/>
+                <a:cs typeface="Courier New" panose="02070309020205020404" pitchFamily="49" charset="0"/>
+              </a:rPr>
+              <a:t>is</a:t>
+            </a:r>
+            <a:r>
+              <a:rPr kumimoji="1" lang="zh-CN" altLang="en-US" b="1" dirty="0">
+                <a:latin typeface="Courier New" panose="02070309020205020404" pitchFamily="49" charset="0"/>
+                <a:cs typeface="Courier New" panose="02070309020205020404" pitchFamily="49" charset="0"/>
+              </a:rPr>
+              <a:t> </a:t>
+            </a:r>
+            <a:r>
+              <a:rPr kumimoji="1" lang="en-US" altLang="zh-CN" b="1">
+                <a:latin typeface="Courier New" panose="02070309020205020404" pitchFamily="49" charset="0"/>
+                <a:cs typeface="Courier New" panose="02070309020205020404" pitchFamily="49" charset="0"/>
+              </a:rPr>
+              <a:t>(0,</a:t>
+            </a:r>
+            <a:r>
+              <a:rPr kumimoji="1" lang="zh-CN" altLang="en-US" b="1">
+                <a:latin typeface="Courier New" panose="02070309020205020404" pitchFamily="49" charset="0"/>
+                <a:cs typeface="Courier New" panose="02070309020205020404" pitchFamily="49" charset="0"/>
+              </a:rPr>
+              <a:t> </a:t>
+            </a:r>
+            <a:r>
+              <a:rPr kumimoji="1" lang="en-US" altLang="zh-CN" b="1" dirty="0">
+                <a:latin typeface="Courier New" panose="02070309020205020404" pitchFamily="49" charset="0"/>
+                <a:cs typeface="Courier New" panose="02070309020205020404" pitchFamily="49" charset="0"/>
+              </a:rPr>
+              <a:t>9)</a:t>
+            </a:r>
+            <a:r>
+              <a:rPr kumimoji="1" lang="zh-CN" altLang="en-US" b="1" dirty="0">
+                <a:latin typeface="Courier New" panose="02070309020205020404" pitchFamily="49" charset="0"/>
+                <a:cs typeface="Courier New" panose="02070309020205020404" pitchFamily="49" charset="0"/>
+              </a:rPr>
+              <a:t> </a:t>
+            </a:r>
+            <a:r>
+              <a:rPr kumimoji="1" lang="en-US" altLang="zh-CN" b="1" dirty="0">
+                <a:latin typeface="Courier New" panose="02070309020205020404" pitchFamily="49" charset="0"/>
+                <a:cs typeface="Courier New" panose="02070309020205020404" pitchFamily="49" charset="0"/>
+              </a:rPr>
+              <a:t>connected?</a:t>
+            </a:r>
+            <a:endParaRPr kumimoji="1" lang="zh-CN" altLang="en-US" dirty="0"/>
+          </a:p>
+        </p:txBody>
+      </p:sp>
+    </p:spTree>
+    <p:extLst>
+      <p:ext uri="{BB962C8B-B14F-4D97-AF65-F5344CB8AC3E}">
+        <p14:creationId xmlns:p14="http://schemas.microsoft.com/office/powerpoint/2010/main" val="1554884055"/>
+      </p:ext>
+    </p:extLst>
+  </p:cSld>
+  <p:clrMapOvr>
+    <a:masterClrMapping/>
+  </p:clrMapOvr>
+  <p:timing>
+    <p:tnLst>
+      <p:par>
+        <p:cTn id="1" dur="indefinite" restart="never" nodeType="tmRoot">
+          <p:childTnLst>
+            <p:seq concurrent="1" nextAc="seek">
+              <p:cTn id="2" dur="indefinite" nodeType="mainSeq">
+                <p:childTnLst>
+                  <p:par>
+                    <p:cTn id="3" fill="hold">
+                      <p:stCondLst>
+                        <p:cond delay="indefinite"/>
+                      </p:stCondLst>
+                      <p:childTnLst>
+                        <p:par>
+                          <p:cTn id="4" fill="hold">
+                            <p:stCondLst>
+                              <p:cond delay="0"/>
+                            </p:stCondLst>
+                            <p:childTnLst>
+                              <p:par>
+                                <p:cTn id="5" presetID="3" presetClass="entr" presetSubtype="10" fill="hold" nodeType="clickEffect">
+                                  <p:stCondLst>
+                                    <p:cond delay="0"/>
+                                  </p:stCondLst>
+                                  <p:childTnLst>
+                                    <p:set>
+                                      <p:cBhvr>
+                                        <p:cTn id="6" dur="1" fill="hold">
+                                          <p:stCondLst>
+                                            <p:cond delay="0"/>
+                                          </p:stCondLst>
+                                        </p:cTn>
+                                        <p:tgtEl>
+                                          <p:spTgt spid="4"/>
+                                        </p:tgtEl>
+                                        <p:attrNameLst>
+                                          <p:attrName>style.visibility</p:attrName>
+                                        </p:attrNameLst>
+                                      </p:cBhvr>
+                                      <p:to>
+                                        <p:strVal val="visible"/>
+                                      </p:to>
+                                    </p:set>
+                                    <p:animEffect transition="in" filter="blinds(horizontal)">
+                                      <p:cBhvr>
+                                        <p:cTn id="7" dur="500"/>
+                                        <p:tgtEl>
+                                          <p:spTgt spid="4"/>
+                                        </p:tgtEl>
+                                      </p:cBhvr>
+                                    </p:animEffect>
+                                  </p:childTnLst>
+                                </p:cTn>
+                              </p:par>
+                            </p:childTnLst>
+                          </p:cTn>
+                        </p:par>
+                      </p:childTnLst>
+                    </p:cTn>
+                  </p:par>
+                  <p:par>
+                    <p:cTn id="8" fill="hold">
+                      <p:stCondLst>
+                        <p:cond delay="indefinite"/>
+                      </p:stCondLst>
+                      <p:childTnLst>
+                        <p:par>
+                          <p:cTn id="9" fill="hold">
+                            <p:stCondLst>
+                              <p:cond delay="0"/>
+                            </p:stCondLst>
+                            <p:childTnLst>
+                              <p:par>
+                                <p:cTn id="10" presetID="3" presetClass="entr" presetSubtype="10" fill="hold" grpId="0" nodeType="clickEffect">
+                                  <p:stCondLst>
+                                    <p:cond delay="0"/>
+                                  </p:stCondLst>
+                                  <p:childTnLst>
+                                    <p:set>
+                                      <p:cBhvr>
+                                        <p:cTn id="11" dur="1" fill="hold">
+                                          <p:stCondLst>
+                                            <p:cond delay="0"/>
+                                          </p:stCondLst>
+                                        </p:cTn>
+                                        <p:tgtEl>
+                                          <p:spTgt spid="5"/>
+                                        </p:tgtEl>
+                                        <p:attrNameLst>
+                                          <p:attrName>style.visibility</p:attrName>
+                                        </p:attrNameLst>
+                                      </p:cBhvr>
+                                      <p:to>
+                                        <p:strVal val="visible"/>
+                                      </p:to>
+                                    </p:set>
+                                    <p:animEffect transition="in" filter="blinds(horizontal)">
+                                      <p:cBhvr>
+                                        <p:cTn id="12" dur="500"/>
+                                        <p:tgtEl>
+                                          <p:spTgt spid="5"/>
+                                        </p:tgtEl>
+                                      </p:cBhvr>
+                                    </p:animEffect>
+                                  </p:childTnLst>
+                                </p:cTn>
+                              </p:par>
+                            </p:childTnLst>
+                          </p:cTn>
+                        </p:par>
+                      </p:childTnLst>
+                    </p:cTn>
+                  </p:par>
+                </p:childTnLst>
+              </p:cTn>
+              <p:prevCondLst>
+                <p:cond evt="onPrev" delay="0">
+                  <p:tgtEl>
+                    <p:sldTgt/>
+                  </p:tgtEl>
+                </p:cond>
+              </p:prevCondLst>
+              <p:nextCondLst>
+                <p:cond evt="onNext" delay="0">
+                  <p:tgtEl>
+                    <p:sldTgt/>
+                  </p:tgtEl>
+                </p:cond>
+              </p:nextCondLst>
+            </p:seq>
+          </p:childTnLst>
+        </p:cTn>
+      </p:par>
+    </p:tnLst>
+    <p:bldLst>
+      <p:bldP spid="5" grpId="0"/>
+    </p:bldLst>
+  </p:timing>
+</p:sld>
+</file>
+
+<file path=ppt/slides/slide37.xml><?xml version="1.0" encoding="utf-8"?>
+<p:sld xmlns:a="http://schemas.openxmlformats.org/drawingml/2006/main" xmlns:r="http://schemas.openxmlformats.org/officeDocument/2006/relationships" xmlns:p="http://schemas.openxmlformats.org/presentationml/2006/main">
+  <p:cSld>
+    <p:spTree>
+      <p:nvGrpSpPr>
+        <p:cNvPr id="1" name="">
+          <a:extLst>
+            <a:ext uri="{FF2B5EF4-FFF2-40B4-BE49-F238E27FC236}">
+              <a16:creationId xmlns:a16="http://schemas.microsoft.com/office/drawing/2014/main" id="{5D6B85AF-2B52-D7EB-C30E-8D7B574EB60C}"/>
+            </a:ext>
+          </a:extLst>
+        </p:cNvPr>
+        <p:cNvGrpSpPr/>
+        <p:nvPr/>
+      </p:nvGrpSpPr>
+      <p:grpSpPr>
+        <a:xfrm>
+          <a:off x="0" y="0"/>
+          <a:ext cx="0" cy="0"/>
+          <a:chOff x="0" y="0"/>
+          <a:chExt cx="0" cy="0"/>
+        </a:xfrm>
+      </p:grpSpPr>
+      <p:sp>
+        <p:nvSpPr>
+          <p:cNvPr id="2" name="标题 1">
+            <a:extLst>
+              <a:ext uri="{FF2B5EF4-FFF2-40B4-BE49-F238E27FC236}">
+                <a16:creationId xmlns:a16="http://schemas.microsoft.com/office/drawing/2014/main" id="{BBA70D6B-8013-CC14-C5D5-F3E1CCBDFFF3}"/>
+              </a:ext>
+            </a:extLst>
+          </p:cNvPr>
+          <p:cNvSpPr>
+            <a:spLocks noGrp="1"/>
+          </p:cNvSpPr>
+          <p:nvPr>
+            <p:ph type="title"/>
+          </p:nvPr>
+        </p:nvSpPr>
+        <p:spPr/>
+        <p:txBody>
+          <a:bodyPr/>
+          <a:lstStyle/>
+          <a:p>
+            <a:r>
+              <a:rPr kumimoji="1" lang="en-US" altLang="zh-CN" dirty="0"/>
+              <a:t>#3: </a:t>
+            </a:r>
+            <a:r>
+              <a:rPr kumimoji="1" lang="en" altLang="zh-CN" dirty="0"/>
+              <a:t>Dynamic connectivity</a:t>
+            </a:r>
+            <a:endParaRPr kumimoji="1" lang="zh-CN" altLang="en-US" dirty="0"/>
+          </a:p>
+        </p:txBody>
+      </p:sp>
+      <p:sp>
+        <p:nvSpPr>
+          <p:cNvPr id="6" name="内容占位符 4">
+            <a:extLst>
+              <a:ext uri="{FF2B5EF4-FFF2-40B4-BE49-F238E27FC236}">
+                <a16:creationId xmlns:a16="http://schemas.microsoft.com/office/drawing/2014/main" id="{6181D9CA-C53C-11A4-367B-0EAB05602717}"/>
+              </a:ext>
+            </a:extLst>
+          </p:cNvPr>
+          <p:cNvSpPr>
+            <a:spLocks noGrp="1"/>
+          </p:cNvSpPr>
+          <p:nvPr>
+            <p:ph idx="1"/>
+          </p:nvPr>
+        </p:nvSpPr>
+        <p:spPr>
+          <a:xfrm>
+            <a:off x="381000" y="2057400"/>
+            <a:ext cx="4267200" cy="4114800"/>
+          </a:xfrm>
+        </p:spPr>
+        <p:txBody>
+          <a:bodyPr/>
+          <a:lstStyle/>
+          <a:p>
+            <a:pPr marL="0" indent="0">
+              <a:buNone/>
+            </a:pPr>
+            <a:r>
+              <a:rPr lang="en-US" altLang="zh-CN" sz="2000" b="1" dirty="0">
+                <a:latin typeface="Courier New" panose="02070309020205020404" pitchFamily="49" charset="0"/>
+                <a:cs typeface="Courier New" panose="02070309020205020404" pitchFamily="49" charset="0"/>
+              </a:rPr>
+              <a:t>#</a:t>
+            </a:r>
+            <a:r>
+              <a:rPr lang="zh-CN" altLang="en-US" sz="2000" b="1" dirty="0">
+                <a:latin typeface="Courier New" panose="02070309020205020404" pitchFamily="49" charset="0"/>
+                <a:cs typeface="Courier New" panose="02070309020205020404" pitchFamily="49" charset="0"/>
+              </a:rPr>
+              <a:t> </a:t>
+            </a:r>
+            <a:r>
+              <a:rPr lang="en-US" altLang="zh-CN" sz="2000" b="1" dirty="0">
+                <a:latin typeface="Courier New" panose="02070309020205020404" pitchFamily="49" charset="0"/>
+                <a:cs typeface="Courier New" panose="02070309020205020404" pitchFamily="49" charset="0"/>
+              </a:rPr>
+              <a:t>Formalize</a:t>
+            </a:r>
+            <a:r>
+              <a:rPr lang="zh-CN" altLang="en-US" sz="2000" b="1" dirty="0">
+                <a:latin typeface="Courier New" panose="02070309020205020404" pitchFamily="49" charset="0"/>
+                <a:cs typeface="Courier New" panose="02070309020205020404" pitchFamily="49" charset="0"/>
+              </a:rPr>
+              <a:t> </a:t>
+            </a:r>
+            <a:r>
+              <a:rPr lang="en-US" altLang="zh-CN" sz="2000" b="1" dirty="0">
+                <a:latin typeface="Courier New" panose="02070309020205020404" pitchFamily="49" charset="0"/>
+                <a:cs typeface="Courier New" panose="02070309020205020404" pitchFamily="49" charset="0"/>
+              </a:rPr>
+              <a:t>the</a:t>
+            </a:r>
+            <a:r>
+              <a:rPr lang="zh-CN" altLang="en-US" sz="2000" b="1" dirty="0">
+                <a:latin typeface="Courier New" panose="02070309020205020404" pitchFamily="49" charset="0"/>
+                <a:cs typeface="Courier New" panose="02070309020205020404" pitchFamily="49" charset="0"/>
+              </a:rPr>
+              <a:t> </a:t>
+            </a:r>
+            <a:r>
+              <a:rPr lang="en-US" altLang="zh-CN" sz="2000" b="1" dirty="0">
+                <a:latin typeface="Courier New" panose="02070309020205020404" pitchFamily="49" charset="0"/>
+                <a:cs typeface="Courier New" panose="02070309020205020404" pitchFamily="49" charset="0"/>
+              </a:rPr>
+              <a:t>point:</a:t>
+            </a:r>
+          </a:p>
+          <a:p>
+            <a:pPr marL="0" indent="0">
+              <a:buNone/>
+            </a:pPr>
+            <a:r>
+              <a:rPr lang="en-US" altLang="zh-CN" sz="2000" b="1" dirty="0">
+                <a:solidFill>
+                  <a:srgbClr val="0432FF"/>
+                </a:solidFill>
+                <a:latin typeface="Courier New" panose="02070309020205020404" pitchFamily="49" charset="0"/>
+                <a:cs typeface="Courier New" panose="02070309020205020404" pitchFamily="49" charset="0"/>
+              </a:rPr>
+              <a:t>point</a:t>
+            </a:r>
+            <a:r>
+              <a:rPr lang="zh-CN" altLang="en-US" sz="2000" b="1" dirty="0">
+                <a:solidFill>
+                  <a:srgbClr val="0432FF"/>
+                </a:solidFill>
+                <a:latin typeface="Courier New" panose="02070309020205020404" pitchFamily="49" charset="0"/>
+                <a:cs typeface="Courier New" panose="02070309020205020404" pitchFamily="49" charset="0"/>
+              </a:rPr>
+              <a:t> </a:t>
+            </a:r>
+            <a:r>
+              <a:rPr lang="en-US" altLang="zh-CN" sz="2000" b="1" dirty="0">
+                <a:solidFill>
+                  <a:srgbClr val="0432FF"/>
+                </a:solidFill>
+                <a:latin typeface="Courier New" panose="02070309020205020404" pitchFamily="49" charset="0"/>
+                <a:cs typeface="Courier New" panose="02070309020205020404" pitchFamily="49" charset="0"/>
+              </a:rPr>
+              <a:t>=</a:t>
+            </a:r>
+            <a:r>
+              <a:rPr lang="zh-CN" altLang="en-US" sz="2000" b="1" dirty="0">
+                <a:solidFill>
+                  <a:srgbClr val="0432FF"/>
+                </a:solidFill>
+                <a:latin typeface="Courier New" panose="02070309020205020404" pitchFamily="49" charset="0"/>
+                <a:cs typeface="Courier New" panose="02070309020205020404" pitchFamily="49" charset="0"/>
+              </a:rPr>
+              <a:t> </a:t>
+            </a:r>
+            <a:r>
+              <a:rPr lang="en-US" altLang="zh-CN" sz="2000" b="1" dirty="0" err="1">
+                <a:solidFill>
+                  <a:srgbClr val="0432FF"/>
+                </a:solidFill>
+                <a:latin typeface="Courier New" panose="02070309020205020404" pitchFamily="49" charset="0"/>
+                <a:cs typeface="Courier New" panose="02070309020205020404" pitchFamily="49" charset="0"/>
+              </a:rPr>
+              <a:t>DeclareSort</a:t>
+            </a:r>
+            <a:r>
+              <a:rPr lang="en-US" altLang="zh-CN" sz="2000" b="1" dirty="0">
+                <a:solidFill>
+                  <a:srgbClr val="0432FF"/>
+                </a:solidFill>
+                <a:latin typeface="Courier New" panose="02070309020205020404" pitchFamily="49" charset="0"/>
+                <a:cs typeface="Courier New" panose="02070309020205020404" pitchFamily="49" charset="0"/>
+              </a:rPr>
+              <a:t>(“p”)</a:t>
+            </a:r>
+          </a:p>
+          <a:p>
+            <a:pPr marL="0" indent="0">
+              <a:buNone/>
+            </a:pPr>
+            <a:r>
+              <a:rPr lang="en-US" altLang="zh-CN" sz="2000" b="1" dirty="0">
+                <a:latin typeface="Courier New" panose="02070309020205020404" pitchFamily="49" charset="0"/>
+                <a:cs typeface="Courier New" panose="02070309020205020404" pitchFamily="49" charset="0"/>
+              </a:rPr>
+              <a:t>#</a:t>
+            </a:r>
+            <a:r>
+              <a:rPr lang="zh-CN" altLang="en-US" sz="2000" b="1" dirty="0">
+                <a:latin typeface="Courier New" panose="02070309020205020404" pitchFamily="49" charset="0"/>
+                <a:cs typeface="Courier New" panose="02070309020205020404" pitchFamily="49" charset="0"/>
+              </a:rPr>
+              <a:t> </a:t>
+            </a:r>
+            <a:r>
+              <a:rPr lang="en-US" altLang="zh-CN" sz="2000" b="1" dirty="0">
+                <a:latin typeface="Courier New" panose="02070309020205020404" pitchFamily="49" charset="0"/>
+                <a:cs typeface="Courier New" panose="02070309020205020404" pitchFamily="49" charset="0"/>
+              </a:rPr>
+              <a:t>establish</a:t>
+            </a:r>
+            <a:r>
+              <a:rPr lang="zh-CN" altLang="en-US" sz="2000" b="1" dirty="0">
+                <a:latin typeface="Courier New" panose="02070309020205020404" pitchFamily="49" charset="0"/>
+                <a:cs typeface="Courier New" panose="02070309020205020404" pitchFamily="49" charset="0"/>
+              </a:rPr>
+              <a:t> </a:t>
+            </a:r>
+            <a:r>
+              <a:rPr lang="en-US" altLang="zh-CN" sz="2000" b="1" dirty="0">
+                <a:latin typeface="Courier New" panose="02070309020205020404" pitchFamily="49" charset="0"/>
+                <a:cs typeface="Courier New" panose="02070309020205020404" pitchFamily="49" charset="0"/>
+              </a:rPr>
+              <a:t>equality:</a:t>
+            </a:r>
+          </a:p>
+          <a:p>
+            <a:pPr marL="0" indent="0">
+              <a:buNone/>
+            </a:pPr>
+            <a:r>
+              <a:rPr lang="en-US" altLang="zh-CN" sz="2000" b="1" dirty="0">
+                <a:solidFill>
+                  <a:srgbClr val="0432FF"/>
+                </a:solidFill>
+                <a:latin typeface="Courier New" panose="02070309020205020404" pitchFamily="49" charset="0"/>
+                <a:cs typeface="Courier New" panose="02070309020205020404" pitchFamily="49" charset="0"/>
+              </a:rPr>
+              <a:t>solver</a:t>
+            </a:r>
+            <a:r>
+              <a:rPr lang="zh-CN" altLang="en-US" sz="2000" b="1" dirty="0">
+                <a:solidFill>
+                  <a:srgbClr val="0432FF"/>
+                </a:solidFill>
+                <a:latin typeface="Courier New" panose="02070309020205020404" pitchFamily="49" charset="0"/>
+                <a:cs typeface="Courier New" panose="02070309020205020404" pitchFamily="49" charset="0"/>
+              </a:rPr>
+              <a:t> </a:t>
+            </a:r>
+            <a:r>
+              <a:rPr lang="en-US" altLang="zh-CN" sz="2000" b="1" dirty="0">
+                <a:solidFill>
+                  <a:srgbClr val="0432FF"/>
+                </a:solidFill>
+                <a:latin typeface="Courier New" panose="02070309020205020404" pitchFamily="49" charset="0"/>
+                <a:cs typeface="Courier New" panose="02070309020205020404" pitchFamily="49" charset="0"/>
+              </a:rPr>
+              <a:t>=</a:t>
+            </a:r>
+            <a:r>
+              <a:rPr lang="zh-CN" altLang="en-US" sz="2000" b="1" dirty="0">
+                <a:solidFill>
+                  <a:srgbClr val="0432FF"/>
+                </a:solidFill>
+                <a:latin typeface="Courier New" panose="02070309020205020404" pitchFamily="49" charset="0"/>
+                <a:cs typeface="Courier New" panose="02070309020205020404" pitchFamily="49" charset="0"/>
+              </a:rPr>
+              <a:t> </a:t>
+            </a:r>
+            <a:r>
+              <a:rPr lang="en-US" altLang="zh-CN" sz="2000" b="1" dirty="0">
+                <a:solidFill>
+                  <a:srgbClr val="0432FF"/>
+                </a:solidFill>
+                <a:latin typeface="Courier New" panose="02070309020205020404" pitchFamily="49" charset="0"/>
+                <a:cs typeface="Courier New" panose="02070309020205020404" pitchFamily="49" charset="0"/>
+              </a:rPr>
+              <a:t>Solver()</a:t>
+            </a:r>
+          </a:p>
+          <a:p>
+            <a:pPr marL="0" indent="0">
+              <a:buNone/>
+            </a:pPr>
+            <a:r>
+              <a:rPr lang="en-US" altLang="zh-CN" sz="2000" b="1" dirty="0" err="1">
+                <a:solidFill>
+                  <a:srgbClr val="0432FF"/>
+                </a:solidFill>
+                <a:latin typeface="Courier New" panose="02070309020205020404" pitchFamily="49" charset="0"/>
+                <a:cs typeface="Courier New" panose="02070309020205020404" pitchFamily="49" charset="0"/>
+              </a:rPr>
+              <a:t>solver.add</a:t>
+            </a:r>
+            <a:r>
+              <a:rPr lang="en-US" altLang="zh-CN" sz="2000" b="1" dirty="0">
+                <a:solidFill>
+                  <a:srgbClr val="0432FF"/>
+                </a:solidFill>
+                <a:latin typeface="Courier New" panose="02070309020205020404" pitchFamily="49" charset="0"/>
+                <a:cs typeface="Courier New" panose="02070309020205020404" pitchFamily="49" charset="0"/>
+              </a:rPr>
+              <a:t>([p4</a:t>
+            </a:r>
+            <a:r>
+              <a:rPr lang="zh-CN" altLang="en-US" sz="2000" b="1" dirty="0">
+                <a:solidFill>
+                  <a:srgbClr val="0432FF"/>
+                </a:solidFill>
+                <a:latin typeface="Courier New" panose="02070309020205020404" pitchFamily="49" charset="0"/>
+                <a:cs typeface="Courier New" panose="02070309020205020404" pitchFamily="49" charset="0"/>
+              </a:rPr>
+              <a:t> </a:t>
+            </a:r>
+            <a:r>
+              <a:rPr lang="en-US" altLang="zh-CN" sz="2000" b="1" dirty="0">
+                <a:solidFill>
+                  <a:srgbClr val="0432FF"/>
+                </a:solidFill>
+                <a:latin typeface="Courier New" panose="02070309020205020404" pitchFamily="49" charset="0"/>
+                <a:cs typeface="Courier New" panose="02070309020205020404" pitchFamily="49" charset="0"/>
+              </a:rPr>
+              <a:t>==</a:t>
+            </a:r>
+            <a:r>
+              <a:rPr lang="zh-CN" altLang="en-US" sz="2000" b="1" dirty="0">
+                <a:solidFill>
+                  <a:srgbClr val="0432FF"/>
+                </a:solidFill>
+                <a:latin typeface="Courier New" panose="02070309020205020404" pitchFamily="49" charset="0"/>
+                <a:cs typeface="Courier New" panose="02070309020205020404" pitchFamily="49" charset="0"/>
+              </a:rPr>
+              <a:t> </a:t>
+            </a:r>
+            <a:r>
+              <a:rPr lang="en-US" altLang="zh-CN" sz="2000" b="1" dirty="0">
+                <a:solidFill>
+                  <a:srgbClr val="0432FF"/>
+                </a:solidFill>
+                <a:latin typeface="Courier New" panose="02070309020205020404" pitchFamily="49" charset="0"/>
+                <a:cs typeface="Courier New" panose="02070309020205020404" pitchFamily="49" charset="0"/>
+              </a:rPr>
+              <a:t>p3,</a:t>
+            </a:r>
+          </a:p>
+          <a:p>
+            <a:pPr marL="0" indent="0">
+              <a:buNone/>
+            </a:pPr>
+            <a:r>
+              <a:rPr lang="zh-CN" altLang="en-US" sz="2000" b="1" dirty="0">
+                <a:solidFill>
+                  <a:srgbClr val="0432FF"/>
+                </a:solidFill>
+                <a:latin typeface="Courier New" panose="02070309020205020404" pitchFamily="49" charset="0"/>
+                <a:cs typeface="Courier New" panose="02070309020205020404" pitchFamily="49" charset="0"/>
+              </a:rPr>
+              <a:t>            </a:t>
+            </a:r>
+            <a:r>
+              <a:rPr lang="en-US" altLang="zh-CN" sz="2000" b="1" dirty="0">
+                <a:solidFill>
+                  <a:srgbClr val="0432FF"/>
+                </a:solidFill>
+                <a:latin typeface="Courier New" panose="02070309020205020404" pitchFamily="49" charset="0"/>
+                <a:cs typeface="Courier New" panose="02070309020205020404" pitchFamily="49" charset="0"/>
+              </a:rPr>
+              <a:t>p3</a:t>
+            </a:r>
+            <a:r>
+              <a:rPr lang="zh-CN" altLang="en-US" sz="2000" b="1" dirty="0">
+                <a:solidFill>
+                  <a:srgbClr val="0432FF"/>
+                </a:solidFill>
+                <a:latin typeface="Courier New" panose="02070309020205020404" pitchFamily="49" charset="0"/>
+                <a:cs typeface="Courier New" panose="02070309020205020404" pitchFamily="49" charset="0"/>
+              </a:rPr>
+              <a:t> </a:t>
+            </a:r>
+            <a:r>
+              <a:rPr lang="en-US" altLang="zh-CN" sz="2000" b="1" dirty="0">
+                <a:solidFill>
+                  <a:srgbClr val="0432FF"/>
+                </a:solidFill>
+                <a:latin typeface="Courier New" panose="02070309020205020404" pitchFamily="49" charset="0"/>
+                <a:cs typeface="Courier New" panose="02070309020205020404" pitchFamily="49" charset="0"/>
+              </a:rPr>
+              <a:t>==</a:t>
+            </a:r>
+            <a:r>
+              <a:rPr lang="zh-CN" altLang="en-US" sz="2000" b="1" dirty="0">
+                <a:solidFill>
+                  <a:srgbClr val="0432FF"/>
+                </a:solidFill>
+                <a:latin typeface="Courier New" panose="02070309020205020404" pitchFamily="49" charset="0"/>
+                <a:cs typeface="Courier New" panose="02070309020205020404" pitchFamily="49" charset="0"/>
+              </a:rPr>
+              <a:t> </a:t>
+            </a:r>
+            <a:r>
+              <a:rPr lang="en-US" altLang="zh-CN" sz="2000" b="1" dirty="0">
+                <a:solidFill>
+                  <a:srgbClr val="0432FF"/>
+                </a:solidFill>
+                <a:latin typeface="Courier New" panose="02070309020205020404" pitchFamily="49" charset="0"/>
+                <a:cs typeface="Courier New" panose="02070309020205020404" pitchFamily="49" charset="0"/>
+              </a:rPr>
+              <a:t>p8,</a:t>
+            </a:r>
+          </a:p>
+          <a:p>
+            <a:pPr marL="0" indent="0">
+              <a:buNone/>
+            </a:pPr>
+            <a:r>
+              <a:rPr lang="zh-CN" altLang="en-US" sz="2000" b="1" dirty="0">
+                <a:solidFill>
+                  <a:srgbClr val="0432FF"/>
+                </a:solidFill>
+                <a:latin typeface="Courier New" panose="02070309020205020404" pitchFamily="49" charset="0"/>
+                <a:cs typeface="Courier New" panose="02070309020205020404" pitchFamily="49" charset="0"/>
+              </a:rPr>
+              <a:t>            </a:t>
+            </a:r>
+            <a:r>
+              <a:rPr lang="en-US" altLang="zh-CN" sz="2000" b="1" dirty="0">
+                <a:solidFill>
+                  <a:srgbClr val="0432FF"/>
+                </a:solidFill>
+                <a:latin typeface="Courier New" panose="02070309020205020404" pitchFamily="49" charset="0"/>
+                <a:cs typeface="Courier New" panose="02070309020205020404" pitchFamily="49" charset="0"/>
+              </a:rPr>
+              <a:t>p6</a:t>
+            </a:r>
+            <a:r>
+              <a:rPr lang="zh-CN" altLang="en-US" sz="2000" b="1" dirty="0">
+                <a:solidFill>
+                  <a:srgbClr val="0432FF"/>
+                </a:solidFill>
+                <a:latin typeface="Courier New" panose="02070309020205020404" pitchFamily="49" charset="0"/>
+                <a:cs typeface="Courier New" panose="02070309020205020404" pitchFamily="49" charset="0"/>
+              </a:rPr>
+              <a:t> </a:t>
+            </a:r>
+            <a:r>
+              <a:rPr lang="en-US" altLang="zh-CN" sz="2000" b="1" dirty="0">
+                <a:solidFill>
+                  <a:srgbClr val="0432FF"/>
+                </a:solidFill>
+                <a:latin typeface="Courier New" panose="02070309020205020404" pitchFamily="49" charset="0"/>
+                <a:cs typeface="Courier New" panose="02070309020205020404" pitchFamily="49" charset="0"/>
+              </a:rPr>
+              <a:t>==</a:t>
+            </a:r>
+            <a:r>
+              <a:rPr lang="zh-CN" altLang="en-US" sz="2000" b="1" dirty="0">
+                <a:solidFill>
+                  <a:srgbClr val="0432FF"/>
+                </a:solidFill>
+                <a:latin typeface="Courier New" panose="02070309020205020404" pitchFamily="49" charset="0"/>
+                <a:cs typeface="Courier New" panose="02070309020205020404" pitchFamily="49" charset="0"/>
+              </a:rPr>
+              <a:t> </a:t>
+            </a:r>
+            <a:r>
+              <a:rPr lang="en-US" altLang="zh-CN" sz="2000" b="1" dirty="0">
+                <a:solidFill>
+                  <a:srgbClr val="0432FF"/>
+                </a:solidFill>
+                <a:latin typeface="Courier New" panose="02070309020205020404" pitchFamily="49" charset="0"/>
+                <a:cs typeface="Courier New" panose="02070309020205020404" pitchFamily="49" charset="0"/>
+              </a:rPr>
+              <a:t>p5,</a:t>
+            </a:r>
+          </a:p>
+          <a:p>
+            <a:pPr marL="0" indent="0">
+              <a:buNone/>
+            </a:pPr>
+            <a:r>
+              <a:rPr lang="zh-CN" altLang="en-US" sz="2000" b="1" dirty="0">
+                <a:solidFill>
+                  <a:srgbClr val="0432FF"/>
+                </a:solidFill>
+                <a:latin typeface="Courier New" panose="02070309020205020404" pitchFamily="49" charset="0"/>
+                <a:cs typeface="Courier New" panose="02070309020205020404" pitchFamily="49" charset="0"/>
+              </a:rPr>
+              <a:t>            </a:t>
+            </a:r>
+            <a:r>
+              <a:rPr lang="en-US" altLang="zh-CN" sz="2000" b="1" dirty="0">
+                <a:solidFill>
+                  <a:srgbClr val="0432FF"/>
+                </a:solidFill>
+                <a:latin typeface="Courier New" panose="02070309020205020404" pitchFamily="49" charset="0"/>
+                <a:cs typeface="Courier New" panose="02070309020205020404" pitchFamily="49" charset="0"/>
+              </a:rPr>
+              <a:t>p9</a:t>
+            </a:r>
+            <a:r>
+              <a:rPr lang="zh-CN" altLang="en-US" sz="2000" b="1" dirty="0">
+                <a:solidFill>
+                  <a:srgbClr val="0432FF"/>
+                </a:solidFill>
+                <a:latin typeface="Courier New" panose="02070309020205020404" pitchFamily="49" charset="0"/>
+                <a:cs typeface="Courier New" panose="02070309020205020404" pitchFamily="49" charset="0"/>
+              </a:rPr>
+              <a:t> </a:t>
+            </a:r>
+            <a:r>
+              <a:rPr lang="en-US" altLang="zh-CN" sz="2000" b="1" dirty="0">
+                <a:solidFill>
+                  <a:srgbClr val="0432FF"/>
+                </a:solidFill>
+                <a:latin typeface="Courier New" panose="02070309020205020404" pitchFamily="49" charset="0"/>
+                <a:cs typeface="Courier New" panose="02070309020205020404" pitchFamily="49" charset="0"/>
+              </a:rPr>
+              <a:t>==</a:t>
+            </a:r>
+            <a:r>
+              <a:rPr lang="zh-CN" altLang="en-US" sz="2000" b="1" dirty="0">
+                <a:solidFill>
+                  <a:srgbClr val="0432FF"/>
+                </a:solidFill>
+                <a:latin typeface="Courier New" panose="02070309020205020404" pitchFamily="49" charset="0"/>
+                <a:cs typeface="Courier New" panose="02070309020205020404" pitchFamily="49" charset="0"/>
+              </a:rPr>
+              <a:t> </a:t>
+            </a:r>
+            <a:r>
+              <a:rPr lang="en-US" altLang="zh-CN" sz="2000" b="1" dirty="0">
+                <a:solidFill>
+                  <a:srgbClr val="0432FF"/>
+                </a:solidFill>
+                <a:latin typeface="Courier New" panose="02070309020205020404" pitchFamily="49" charset="0"/>
+                <a:cs typeface="Courier New" panose="02070309020205020404" pitchFamily="49" charset="0"/>
+              </a:rPr>
+              <a:t>p4,</a:t>
+            </a:r>
+          </a:p>
+          <a:p>
+            <a:pPr marL="0" indent="0">
+              <a:buNone/>
+            </a:pPr>
+            <a:r>
+              <a:rPr lang="zh-CN" altLang="en-US" sz="2000" b="1" dirty="0">
+                <a:solidFill>
+                  <a:srgbClr val="0432FF"/>
+                </a:solidFill>
+                <a:latin typeface="Courier New" panose="02070309020205020404" pitchFamily="49" charset="0"/>
+                <a:cs typeface="Courier New" panose="02070309020205020404" pitchFamily="49" charset="0"/>
+              </a:rPr>
+              <a:t>            </a:t>
+            </a:r>
+            <a:r>
+              <a:rPr lang="en-US" altLang="zh-CN" sz="2000" b="1" dirty="0">
+                <a:solidFill>
+                  <a:srgbClr val="0432FF"/>
+                </a:solidFill>
+                <a:latin typeface="Courier New" panose="02070309020205020404" pitchFamily="49" charset="0"/>
+                <a:cs typeface="Courier New" panose="02070309020205020404" pitchFamily="49" charset="0"/>
+              </a:rPr>
+              <a:t>p2</a:t>
+            </a:r>
+            <a:r>
+              <a:rPr lang="zh-CN" altLang="en-US" sz="2000" b="1" dirty="0">
+                <a:solidFill>
+                  <a:srgbClr val="0432FF"/>
+                </a:solidFill>
+                <a:latin typeface="Courier New" panose="02070309020205020404" pitchFamily="49" charset="0"/>
+                <a:cs typeface="Courier New" panose="02070309020205020404" pitchFamily="49" charset="0"/>
+              </a:rPr>
+              <a:t> </a:t>
+            </a:r>
+            <a:r>
+              <a:rPr lang="en-US" altLang="zh-CN" sz="2000" b="1" dirty="0">
+                <a:solidFill>
+                  <a:srgbClr val="0432FF"/>
+                </a:solidFill>
+                <a:latin typeface="Courier New" panose="02070309020205020404" pitchFamily="49" charset="0"/>
+                <a:cs typeface="Courier New" panose="02070309020205020404" pitchFamily="49" charset="0"/>
+              </a:rPr>
+              <a:t>==</a:t>
+            </a:r>
+            <a:r>
+              <a:rPr lang="zh-CN" altLang="en-US" sz="2000" b="1" dirty="0">
+                <a:solidFill>
+                  <a:srgbClr val="0432FF"/>
+                </a:solidFill>
+                <a:latin typeface="Courier New" panose="02070309020205020404" pitchFamily="49" charset="0"/>
+                <a:cs typeface="Courier New" panose="02070309020205020404" pitchFamily="49" charset="0"/>
+              </a:rPr>
+              <a:t> </a:t>
+            </a:r>
+            <a:r>
+              <a:rPr lang="en-US" altLang="zh-CN" sz="2000" b="1" dirty="0">
+                <a:solidFill>
+                  <a:srgbClr val="0432FF"/>
+                </a:solidFill>
+                <a:latin typeface="Courier New" panose="02070309020205020404" pitchFamily="49" charset="0"/>
+                <a:cs typeface="Courier New" panose="02070309020205020404" pitchFamily="49" charset="0"/>
+              </a:rPr>
+              <a:t>p1])</a:t>
+            </a:r>
+          </a:p>
+          <a:p>
+            <a:pPr marL="0" indent="0">
+              <a:buNone/>
+            </a:pPr>
+            <a:r>
+              <a:rPr lang="en-US" altLang="zh-CN" sz="2000" b="1" dirty="0">
+                <a:latin typeface="Courier New" panose="02070309020205020404" pitchFamily="49" charset="0"/>
+                <a:cs typeface="Courier New" panose="02070309020205020404" pitchFamily="49" charset="0"/>
+              </a:rPr>
+              <a:t>#</a:t>
+            </a:r>
+            <a:r>
+              <a:rPr lang="zh-CN" altLang="en-US" sz="2000" b="1" dirty="0">
+                <a:latin typeface="Courier New" panose="02070309020205020404" pitchFamily="49" charset="0"/>
+                <a:cs typeface="Courier New" panose="02070309020205020404" pitchFamily="49" charset="0"/>
+              </a:rPr>
+              <a:t> </a:t>
+            </a:r>
+            <a:r>
+              <a:rPr lang="en-US" altLang="zh-CN" sz="2000" b="1" dirty="0">
+                <a:latin typeface="Courier New" panose="02070309020205020404" pitchFamily="49" charset="0"/>
+                <a:cs typeface="Courier New" panose="02070309020205020404" pitchFamily="49" charset="0"/>
+              </a:rPr>
+              <a:t>check</a:t>
+            </a:r>
+            <a:r>
+              <a:rPr lang="zh-CN" altLang="en-US" sz="2000" b="1" dirty="0">
+                <a:latin typeface="Courier New" panose="02070309020205020404" pitchFamily="49" charset="0"/>
+                <a:cs typeface="Courier New" panose="02070309020205020404" pitchFamily="49" charset="0"/>
+              </a:rPr>
+              <a:t> </a:t>
+            </a:r>
+            <a:r>
+              <a:rPr lang="en-US" altLang="zh-CN" sz="2000" b="1" dirty="0">
+                <a:latin typeface="Courier New" panose="02070309020205020404" pitchFamily="49" charset="0"/>
+                <a:cs typeface="Courier New" panose="02070309020205020404" pitchFamily="49" charset="0"/>
+              </a:rPr>
+              <a:t>connectivity:</a:t>
+            </a:r>
+          </a:p>
+          <a:p>
+            <a:pPr marL="0" indent="0">
+              <a:buNone/>
+            </a:pPr>
+            <a:r>
+              <a:rPr lang="en-US" altLang="zh-CN" sz="2000" b="1" dirty="0" err="1">
+                <a:solidFill>
+                  <a:srgbClr val="0432FF"/>
+                </a:solidFill>
+                <a:latin typeface="Courier New" panose="02070309020205020404" pitchFamily="49" charset="0"/>
+                <a:cs typeface="Courier New" panose="02070309020205020404" pitchFamily="49" charset="0"/>
+              </a:rPr>
+              <a:t>solver.check</a:t>
+            </a:r>
+            <a:r>
+              <a:rPr lang="en-US" altLang="zh-CN" sz="2000" b="1" dirty="0">
+                <a:solidFill>
+                  <a:srgbClr val="0432FF"/>
+                </a:solidFill>
+                <a:latin typeface="Courier New" panose="02070309020205020404" pitchFamily="49" charset="0"/>
+                <a:cs typeface="Courier New" panose="02070309020205020404" pitchFamily="49" charset="0"/>
+              </a:rPr>
+              <a:t>(p3</a:t>
+            </a:r>
+            <a:r>
+              <a:rPr lang="zh-CN" altLang="en-US" sz="2000" b="1" dirty="0">
+                <a:solidFill>
+                  <a:srgbClr val="0432FF"/>
+                </a:solidFill>
+                <a:latin typeface="Courier New" panose="02070309020205020404" pitchFamily="49" charset="0"/>
+                <a:cs typeface="Courier New" panose="02070309020205020404" pitchFamily="49" charset="0"/>
+              </a:rPr>
+              <a:t> </a:t>
+            </a:r>
+            <a:r>
+              <a:rPr lang="en-US" altLang="zh-CN" sz="2000" b="1" dirty="0">
+                <a:solidFill>
+                  <a:srgbClr val="0432FF"/>
+                </a:solidFill>
+                <a:latin typeface="Courier New" panose="02070309020205020404" pitchFamily="49" charset="0"/>
+                <a:cs typeface="Courier New" panose="02070309020205020404" pitchFamily="49" charset="0"/>
+              </a:rPr>
+              <a:t>==</a:t>
+            </a:r>
+            <a:r>
+              <a:rPr lang="zh-CN" altLang="en-US" sz="2000" b="1" dirty="0">
+                <a:solidFill>
+                  <a:srgbClr val="0432FF"/>
+                </a:solidFill>
+                <a:latin typeface="Courier New" panose="02070309020205020404" pitchFamily="49" charset="0"/>
+                <a:cs typeface="Courier New" panose="02070309020205020404" pitchFamily="49" charset="0"/>
+              </a:rPr>
+              <a:t> </a:t>
+            </a:r>
+            <a:r>
+              <a:rPr lang="en-US" altLang="zh-CN" sz="2000" b="1" dirty="0">
+                <a:solidFill>
+                  <a:srgbClr val="0432FF"/>
+                </a:solidFill>
+                <a:latin typeface="Courier New" panose="02070309020205020404" pitchFamily="49" charset="0"/>
+                <a:cs typeface="Courier New" panose="02070309020205020404" pitchFamily="49" charset="0"/>
+              </a:rPr>
+              <a:t>p9)</a:t>
+            </a:r>
+          </a:p>
+          <a:p>
+            <a:pPr marL="0" indent="0">
+              <a:buNone/>
+            </a:pPr>
+            <a:r>
+              <a:rPr lang="en-US" altLang="zh-CN" sz="2000" b="1" dirty="0" err="1">
+                <a:solidFill>
+                  <a:srgbClr val="0432FF"/>
+                </a:solidFill>
+                <a:latin typeface="Courier New" panose="02070309020205020404" pitchFamily="49" charset="0"/>
+                <a:cs typeface="Courier New" panose="02070309020205020404" pitchFamily="49" charset="0"/>
+              </a:rPr>
+              <a:t>solver.check</a:t>
+            </a:r>
+            <a:r>
+              <a:rPr lang="en-US" altLang="zh-CN" sz="2000" b="1" dirty="0">
+                <a:solidFill>
+                  <a:srgbClr val="0432FF"/>
+                </a:solidFill>
+                <a:latin typeface="Courier New" panose="02070309020205020404" pitchFamily="49" charset="0"/>
+                <a:cs typeface="Courier New" panose="02070309020205020404" pitchFamily="49" charset="0"/>
+              </a:rPr>
+              <a:t>(p0</a:t>
+            </a:r>
+            <a:r>
+              <a:rPr lang="zh-CN" altLang="en-US" sz="2000" b="1" dirty="0">
+                <a:solidFill>
+                  <a:srgbClr val="0432FF"/>
+                </a:solidFill>
+                <a:latin typeface="Courier New" panose="02070309020205020404" pitchFamily="49" charset="0"/>
+                <a:cs typeface="Courier New" panose="02070309020205020404" pitchFamily="49" charset="0"/>
+              </a:rPr>
+              <a:t> </a:t>
+            </a:r>
+            <a:r>
+              <a:rPr lang="en-US" altLang="zh-CN" sz="2000" b="1" dirty="0">
+                <a:solidFill>
+                  <a:srgbClr val="0432FF"/>
+                </a:solidFill>
+                <a:latin typeface="Courier New" panose="02070309020205020404" pitchFamily="49" charset="0"/>
+                <a:cs typeface="Courier New" panose="02070309020205020404" pitchFamily="49" charset="0"/>
+              </a:rPr>
+              <a:t>==</a:t>
+            </a:r>
+            <a:r>
+              <a:rPr lang="zh-CN" altLang="en-US" sz="2000" b="1" dirty="0">
+                <a:solidFill>
+                  <a:srgbClr val="0432FF"/>
+                </a:solidFill>
+                <a:latin typeface="Courier New" panose="02070309020205020404" pitchFamily="49" charset="0"/>
+                <a:cs typeface="Courier New" panose="02070309020205020404" pitchFamily="49" charset="0"/>
+              </a:rPr>
+              <a:t> </a:t>
+            </a:r>
+            <a:r>
+              <a:rPr lang="en-US" altLang="zh-CN" sz="2000" b="1" dirty="0">
+                <a:solidFill>
+                  <a:srgbClr val="0432FF"/>
+                </a:solidFill>
+                <a:latin typeface="Courier New" panose="02070309020205020404" pitchFamily="49" charset="0"/>
+                <a:cs typeface="Courier New" panose="02070309020205020404" pitchFamily="49" charset="0"/>
+              </a:rPr>
+              <a:t>p9)</a:t>
+            </a:r>
+          </a:p>
+        </p:txBody>
+      </p:sp>
+      <p:pic>
+        <p:nvPicPr>
+          <p:cNvPr id="4" name="图片 3">
+            <a:extLst>
+              <a:ext uri="{FF2B5EF4-FFF2-40B4-BE49-F238E27FC236}">
+                <a16:creationId xmlns:a16="http://schemas.microsoft.com/office/drawing/2014/main" id="{8092666A-CB65-1F6A-6207-03B394B51A2A}"/>
+              </a:ext>
+            </a:extLst>
+          </p:cNvPr>
+          <p:cNvPicPr>
+            <a:picLocks noChangeAspect="1"/>
+          </p:cNvPicPr>
+          <p:nvPr/>
+        </p:nvPicPr>
+        <p:blipFill>
+          <a:blip r:embed="rId2">
+            <a:extLst>
+              <a:ext uri="{28A0092B-C50C-407E-A947-70E740481C1C}">
+                <a14:useLocalDpi xmlns:a14="http://schemas.microsoft.com/office/drawing/2010/main" val="0"/>
+              </a:ext>
+            </a:extLst>
+          </a:blip>
+          <a:stretch>
+            <a:fillRect/>
+          </a:stretch>
+        </p:blipFill>
+        <p:spPr>
+          <a:xfrm>
+            <a:off x="5562599" y="1955799"/>
+            <a:ext cx="2529381" cy="3835401"/>
+          </a:xfrm>
+          <a:prstGeom prst="rect">
+            <a:avLst/>
+          </a:prstGeom>
+        </p:spPr>
+      </p:pic>
+      <p:sp>
+        <p:nvSpPr>
+          <p:cNvPr id="5" name="文本框 4">
+            <a:extLst>
+              <a:ext uri="{FF2B5EF4-FFF2-40B4-BE49-F238E27FC236}">
+                <a16:creationId xmlns:a16="http://schemas.microsoft.com/office/drawing/2014/main" id="{F3590EDE-7FC1-D549-85D4-CD8BC7D70697}"/>
+              </a:ext>
+            </a:extLst>
+          </p:cNvPr>
+          <p:cNvSpPr txBox="1"/>
+          <p:nvPr/>
+        </p:nvSpPr>
+        <p:spPr>
+          <a:xfrm>
+            <a:off x="4772025" y="5943600"/>
+            <a:ext cx="4295775" cy="646331"/>
+          </a:xfrm>
+          <a:prstGeom prst="rect">
+            <a:avLst/>
+          </a:prstGeom>
+          <a:noFill/>
+        </p:spPr>
+        <p:txBody>
+          <a:bodyPr wrap="square" rtlCol="0">
+            <a:spAutoFit/>
+          </a:bodyPr>
+          <a:lstStyle/>
+          <a:p>
+            <a:r>
+              <a:rPr lang="en-US" altLang="zh-CN" b="1" dirty="0">
+                <a:latin typeface="Courier New" panose="02070309020205020404" pitchFamily="49" charset="0"/>
+                <a:cs typeface="Courier New" panose="02070309020205020404" pitchFamily="49" charset="0"/>
+              </a:rPr>
+              <a:t>Question:</a:t>
+            </a:r>
+            <a:r>
+              <a:rPr lang="zh-CN" altLang="en-US" b="1" dirty="0">
+                <a:latin typeface="Courier New" panose="02070309020205020404" pitchFamily="49" charset="0"/>
+                <a:cs typeface="Courier New" panose="02070309020205020404" pitchFamily="49" charset="0"/>
+              </a:rPr>
+              <a:t> </a:t>
+            </a:r>
+            <a:r>
+              <a:rPr lang="en-US" altLang="zh-CN" b="1" dirty="0">
+                <a:latin typeface="Courier New" panose="02070309020205020404" pitchFamily="49" charset="0"/>
+                <a:cs typeface="Courier New" panose="02070309020205020404" pitchFamily="49" charset="0"/>
+              </a:rPr>
+              <a:t>is</a:t>
+            </a:r>
+            <a:r>
+              <a:rPr lang="zh-CN" altLang="en-US" b="1" dirty="0">
+                <a:latin typeface="Courier New" panose="02070309020205020404" pitchFamily="49" charset="0"/>
+                <a:cs typeface="Courier New" panose="02070309020205020404" pitchFamily="49" charset="0"/>
+              </a:rPr>
+              <a:t> </a:t>
+            </a:r>
+            <a:r>
+              <a:rPr lang="en-US" altLang="zh-CN" b="1" dirty="0">
+                <a:latin typeface="Courier New" panose="02070309020205020404" pitchFamily="49" charset="0"/>
+                <a:cs typeface="Courier New" panose="02070309020205020404" pitchFamily="49" charset="0"/>
+              </a:rPr>
+              <a:t>3</a:t>
+            </a:r>
+            <a:r>
+              <a:rPr lang="zh-CN" altLang="en-US" b="1" dirty="0">
+                <a:latin typeface="Courier New" panose="02070309020205020404" pitchFamily="49" charset="0"/>
+                <a:cs typeface="Courier New" panose="02070309020205020404" pitchFamily="49" charset="0"/>
+              </a:rPr>
+              <a:t> </a:t>
+            </a:r>
+            <a:r>
+              <a:rPr lang="en-US" altLang="zh-CN" b="1" dirty="0">
+                <a:latin typeface="Courier New" panose="02070309020205020404" pitchFamily="49" charset="0"/>
+                <a:cs typeface="Courier New" panose="02070309020205020404" pitchFamily="49" charset="0"/>
+              </a:rPr>
+              <a:t>9</a:t>
+            </a:r>
+            <a:r>
+              <a:rPr lang="zh-CN" altLang="en-US" b="1" dirty="0">
+                <a:latin typeface="Courier New" panose="02070309020205020404" pitchFamily="49" charset="0"/>
+                <a:cs typeface="Courier New" panose="02070309020205020404" pitchFamily="49" charset="0"/>
+              </a:rPr>
+              <a:t> </a:t>
+            </a:r>
+            <a:r>
+              <a:rPr lang="en-US" altLang="zh-CN" b="1" dirty="0">
+                <a:latin typeface="Courier New" panose="02070309020205020404" pitchFamily="49" charset="0"/>
+                <a:cs typeface="Courier New" panose="02070309020205020404" pitchFamily="49" charset="0"/>
+              </a:rPr>
+              <a:t>connected?</a:t>
+            </a:r>
+          </a:p>
+          <a:p>
+            <a:r>
+              <a:rPr kumimoji="1" lang="en-US" altLang="zh-CN" b="1" dirty="0">
+                <a:latin typeface="Courier New" panose="02070309020205020404" pitchFamily="49" charset="0"/>
+                <a:cs typeface="Courier New" panose="02070309020205020404" pitchFamily="49" charset="0"/>
+              </a:rPr>
+              <a:t>is</a:t>
+            </a:r>
+            <a:r>
+              <a:rPr kumimoji="1" lang="zh-CN" altLang="en-US" b="1" dirty="0">
+                <a:latin typeface="Courier New" panose="02070309020205020404" pitchFamily="49" charset="0"/>
+                <a:cs typeface="Courier New" panose="02070309020205020404" pitchFamily="49" charset="0"/>
+              </a:rPr>
+              <a:t> </a:t>
+            </a:r>
+            <a:r>
+              <a:rPr kumimoji="1" lang="en-US" altLang="zh-CN" b="1" dirty="0">
+                <a:latin typeface="Courier New" panose="02070309020205020404" pitchFamily="49" charset="0"/>
+                <a:cs typeface="Courier New" panose="02070309020205020404" pitchFamily="49" charset="0"/>
+              </a:rPr>
+              <a:t>0</a:t>
+            </a:r>
+            <a:r>
+              <a:rPr kumimoji="1" lang="zh-CN" altLang="en-US" b="1" dirty="0">
+                <a:latin typeface="Courier New" panose="02070309020205020404" pitchFamily="49" charset="0"/>
+                <a:cs typeface="Courier New" panose="02070309020205020404" pitchFamily="49" charset="0"/>
+              </a:rPr>
+              <a:t> </a:t>
+            </a:r>
+            <a:r>
+              <a:rPr kumimoji="1" lang="en-US" altLang="zh-CN" b="1" dirty="0">
+                <a:latin typeface="Courier New" panose="02070309020205020404" pitchFamily="49" charset="0"/>
+                <a:cs typeface="Courier New" panose="02070309020205020404" pitchFamily="49" charset="0"/>
+              </a:rPr>
+              <a:t>9</a:t>
+            </a:r>
+            <a:r>
+              <a:rPr kumimoji="1" lang="zh-CN" altLang="en-US" b="1" dirty="0">
+                <a:latin typeface="Courier New" panose="02070309020205020404" pitchFamily="49" charset="0"/>
+                <a:cs typeface="Courier New" panose="02070309020205020404" pitchFamily="49" charset="0"/>
+              </a:rPr>
+              <a:t> </a:t>
+            </a:r>
+            <a:r>
+              <a:rPr kumimoji="1" lang="en-US" altLang="zh-CN" b="1" dirty="0">
+                <a:latin typeface="Courier New" panose="02070309020205020404" pitchFamily="49" charset="0"/>
+                <a:cs typeface="Courier New" panose="02070309020205020404" pitchFamily="49" charset="0"/>
+              </a:rPr>
+              <a:t>connected?</a:t>
+            </a:r>
+            <a:endParaRPr kumimoji="1" lang="zh-CN" altLang="en-US" dirty="0"/>
+          </a:p>
+        </p:txBody>
+      </p:sp>
+    </p:spTree>
+    <p:extLst>
+      <p:ext uri="{BB962C8B-B14F-4D97-AF65-F5344CB8AC3E}">
+        <p14:creationId xmlns:p14="http://schemas.microsoft.com/office/powerpoint/2010/main" val="323557139"/>
+      </p:ext>
+    </p:extLst>
+  </p:cSld>
+  <p:clrMapOvr>
+    <a:masterClrMapping/>
+  </p:clrMapOvr>
+  <p:timing>
+    <p:tnLst>
+      <p:par>
+        <p:cTn id="1" dur="indefinite" restart="never" nodeType="tmRoot">
+          <p:childTnLst>
+            <p:seq concurrent="1" nextAc="seek">
+              <p:cTn id="2" dur="indefinite" nodeType="mainSeq">
+                <p:childTnLst>
+                  <p:par>
+                    <p:cTn id="3" fill="hold">
+                      <p:stCondLst>
+                        <p:cond delay="indefinite"/>
+                      </p:stCondLst>
+                      <p:childTnLst>
+                        <p:par>
+                          <p:cTn id="4" fill="hold">
+                            <p:stCondLst>
+                              <p:cond delay="0"/>
+                            </p:stCondLst>
+                            <p:childTnLst>
+                              <p:par>
+                                <p:cTn id="5" presetID="3" presetClass="entr" presetSubtype="10" fill="hold" nodeType="clickEffect">
+                                  <p:stCondLst>
+                                    <p:cond delay="0"/>
+                                  </p:stCondLst>
+                                  <p:childTnLst>
+                                    <p:set>
+                                      <p:cBhvr>
+                                        <p:cTn id="6" dur="1" fill="hold">
+                                          <p:stCondLst>
+                                            <p:cond delay="0"/>
+                                          </p:stCondLst>
+                                        </p:cTn>
+                                        <p:tgtEl>
+                                          <p:spTgt spid="4"/>
+                                        </p:tgtEl>
+                                        <p:attrNameLst>
+                                          <p:attrName>style.visibility</p:attrName>
+                                        </p:attrNameLst>
+                                      </p:cBhvr>
+                                      <p:to>
+                                        <p:strVal val="visible"/>
+                                      </p:to>
+                                    </p:set>
+                                    <p:animEffect transition="in" filter="blinds(horizontal)">
+                                      <p:cBhvr>
+                                        <p:cTn id="7" dur="500"/>
+                                        <p:tgtEl>
+                                          <p:spTgt spid="4"/>
+                                        </p:tgtEl>
+                                      </p:cBhvr>
+                                    </p:animEffect>
+                                  </p:childTnLst>
+                                </p:cTn>
+                              </p:par>
+                            </p:childTnLst>
+                          </p:cTn>
+                        </p:par>
+                      </p:childTnLst>
+                    </p:cTn>
+                  </p:par>
+                  <p:par>
+                    <p:cTn id="8" fill="hold">
+                      <p:stCondLst>
+                        <p:cond delay="indefinite"/>
+                      </p:stCondLst>
+                      <p:childTnLst>
+                        <p:par>
+                          <p:cTn id="9" fill="hold">
+                            <p:stCondLst>
+                              <p:cond delay="0"/>
+                            </p:stCondLst>
+                            <p:childTnLst>
+                              <p:par>
+                                <p:cTn id="10" presetID="3" presetClass="entr" presetSubtype="10" fill="hold" grpId="0" nodeType="clickEffect">
+                                  <p:stCondLst>
+                                    <p:cond delay="0"/>
+                                  </p:stCondLst>
+                                  <p:childTnLst>
+                                    <p:set>
+                                      <p:cBhvr>
+                                        <p:cTn id="11" dur="1" fill="hold">
+                                          <p:stCondLst>
+                                            <p:cond delay="0"/>
+                                          </p:stCondLst>
+                                        </p:cTn>
+                                        <p:tgtEl>
+                                          <p:spTgt spid="5"/>
+                                        </p:tgtEl>
+                                        <p:attrNameLst>
+                                          <p:attrName>style.visibility</p:attrName>
+                                        </p:attrNameLst>
+                                      </p:cBhvr>
+                                      <p:to>
+                                        <p:strVal val="visible"/>
+                                      </p:to>
+                                    </p:set>
+                                    <p:animEffect transition="in" filter="blinds(horizontal)">
+                                      <p:cBhvr>
+                                        <p:cTn id="12" dur="500"/>
+                                        <p:tgtEl>
+                                          <p:spTgt spid="5"/>
+                                        </p:tgtEl>
+                                      </p:cBhvr>
+                                    </p:animEffect>
+                                  </p:childTnLst>
+                                </p:cTn>
+                              </p:par>
+                            </p:childTnLst>
+                          </p:cTn>
+                        </p:par>
+                      </p:childTnLst>
+                    </p:cTn>
+                  </p:par>
+                </p:childTnLst>
+              </p:cTn>
+              <p:prevCondLst>
+                <p:cond evt="onPrev" delay="0">
+                  <p:tgtEl>
+                    <p:sldTgt/>
+                  </p:tgtEl>
+                </p:cond>
+              </p:prevCondLst>
+              <p:nextCondLst>
+                <p:cond evt="onNext" delay="0">
+                  <p:tgtEl>
+                    <p:sldTgt/>
+                  </p:tgtEl>
+                </p:cond>
+              </p:nextCondLst>
+            </p:seq>
+          </p:childTnLst>
+        </p:cTn>
+      </p:par>
+    </p:tnLst>
+    <p:bldLst>
+      <p:bldP spid="5" grpId="0"/>
     </p:bldLst>
   </p:timing>
 </p:sld>
